--- a/makeathon_ppt.pptx
+++ b/makeathon_ppt.pptx
@@ -6,6 +6,7 @@
   </p:sldMasterIdLst>
   <p:sldIdLst>
     <p:sldId id="256" r:id="rId2"/>
+    <p:sldId id="257" r:id="rId3"/>
   </p:sldIdLst>
   <p:sldSz cx="9144000" cy="6858000" type="screen4x3"/>
   <p:notesSz cx="6858000" cy="9144000"/>
@@ -4058,6 +4059,614 @@
     <p:extLst>
       <p:ext uri="{BB962C8B-B14F-4D97-AF65-F5344CB8AC3E}">
         <p14:creationId xmlns:p14="http://schemas.microsoft.com/office/powerpoint/2010/main" val="1724362482"/>
+      </p:ext>
+    </p:extLst>
+  </p:cSld>
+  <p:clrMapOvr>
+    <a:masterClrMapping/>
+  </p:clrMapOvr>
+</p:sld>
+</file>
+
+<file path=ppt/slides/slide2.xml><?xml version="1.0" encoding="utf-8"?>
+<p:sld xmlns:a="http://schemas.openxmlformats.org/drawingml/2006/main" xmlns:r="http://schemas.openxmlformats.org/officeDocument/2006/relationships" xmlns:p="http://schemas.openxmlformats.org/presentationml/2006/main">
+  <p:cSld>
+    <p:spTree>
+      <p:nvGrpSpPr>
+        <p:cNvPr id="1" name=""/>
+        <p:cNvGrpSpPr/>
+        <p:nvPr/>
+      </p:nvGrpSpPr>
+      <p:grpSpPr>
+        <a:xfrm>
+          <a:off x="0" y="0"/>
+          <a:ext cx="0" cy="0"/>
+          <a:chOff x="0" y="0"/>
+          <a:chExt cx="0" cy="0"/>
+        </a:xfrm>
+      </p:grpSpPr>
+      <p:sp>
+        <p:nvSpPr>
+          <p:cNvPr id="4" name="TextBox 3"/>
+          <p:cNvSpPr txBox="1"/>
+          <p:nvPr/>
+        </p:nvSpPr>
+        <p:spPr>
+          <a:xfrm>
+            <a:off x="1187624" y="908720"/>
+            <a:ext cx="2592288" cy="3139321"/>
+          </a:xfrm>
+          <a:prstGeom prst="rect">
+            <a:avLst/>
+          </a:prstGeom>
+        </p:spPr>
+        <p:style>
+          <a:lnRef idx="2">
+            <a:schemeClr val="dk1"/>
+          </a:lnRef>
+          <a:fillRef idx="1">
+            <a:schemeClr val="lt1"/>
+          </a:fillRef>
+          <a:effectRef idx="0">
+            <a:schemeClr val="dk1"/>
+          </a:effectRef>
+          <a:fontRef idx="minor">
+            <a:schemeClr val="dk1"/>
+          </a:fontRef>
+        </p:style>
+        <p:txBody>
+          <a:bodyPr wrap="square" rtlCol="0">
+            <a:spAutoFit/>
+          </a:bodyPr>
+          <a:lstStyle/>
+          <a:p>
+            <a:r>
+              <a:rPr lang="en-US" u="sng" dirty="0" smtClean="0"/>
+              <a:t>Class: </a:t>
+            </a:r>
+            <a:r>
+              <a:rPr lang="en-US" b="1" u="sng" dirty="0" smtClean="0"/>
+              <a:t>Series</a:t>
+            </a:r>
+          </a:p>
+          <a:p>
+            <a:r>
+              <a:rPr lang="en-US" dirty="0" smtClean="0"/>
+              <a:t>List&lt;Slide&gt; </a:t>
+            </a:r>
+            <a:r>
+              <a:rPr lang="en-US" dirty="0" err="1" smtClean="0"/>
+              <a:t>slideList</a:t>
+            </a:r>
+            <a:endParaRPr lang="en-US" dirty="0" smtClean="0"/>
+          </a:p>
+          <a:p>
+            <a:r>
+              <a:rPr lang="en-US" dirty="0" smtClean="0"/>
+              <a:t>String </a:t>
+            </a:r>
+            <a:r>
+              <a:rPr lang="en-US" dirty="0" err="1" smtClean="0"/>
+              <a:t>seriesName</a:t>
+            </a:r>
+            <a:endParaRPr lang="en-US" dirty="0" smtClean="0"/>
+          </a:p>
+          <a:p>
+            <a:r>
+              <a:rPr lang="en-US" dirty="0" smtClean="0"/>
+              <a:t>long </a:t>
+            </a:r>
+            <a:r>
+              <a:rPr lang="en-US" dirty="0" err="1" smtClean="0"/>
+              <a:t>seriesId</a:t>
+            </a:r>
+            <a:endParaRPr lang="en-US" dirty="0" smtClean="0"/>
+          </a:p>
+          <a:p>
+            <a:r>
+              <a:rPr lang="en-US" dirty="0" smtClean="0"/>
+              <a:t>String </a:t>
+            </a:r>
+            <a:r>
+              <a:rPr lang="en-US" dirty="0" err="1" smtClean="0"/>
+              <a:t>seriesDescription</a:t>
+            </a:r>
+            <a:endParaRPr lang="en-US" dirty="0" smtClean="0"/>
+          </a:p>
+          <a:p>
+            <a:r>
+              <a:rPr lang="en-US" dirty="0" err="1" smtClean="0"/>
+              <a:t>int</a:t>
+            </a:r>
+            <a:r>
+              <a:rPr lang="en-US" dirty="0" smtClean="0"/>
+              <a:t> </a:t>
+            </a:r>
+            <a:r>
+              <a:rPr lang="en-US" dirty="0" err="1" smtClean="0"/>
+              <a:t>resolutionX</a:t>
+            </a:r>
+            <a:endParaRPr lang="en-US" dirty="0" smtClean="0"/>
+          </a:p>
+          <a:p>
+            <a:r>
+              <a:rPr lang="en-US" dirty="0" err="1" smtClean="0"/>
+              <a:t>int</a:t>
+            </a:r>
+            <a:r>
+              <a:rPr lang="en-US" dirty="0" smtClean="0"/>
+              <a:t> </a:t>
+            </a:r>
+            <a:r>
+              <a:rPr lang="en-US" dirty="0" err="1" smtClean="0"/>
+              <a:t>resolutionY</a:t>
+            </a:r>
+            <a:endParaRPr lang="en-US" dirty="0" smtClean="0"/>
+          </a:p>
+          <a:p>
+            <a:r>
+              <a:rPr lang="en-US" dirty="0" smtClean="0"/>
+              <a:t>String orientation</a:t>
+            </a:r>
+          </a:p>
+          <a:p>
+            <a:r>
+              <a:rPr lang="en-US" dirty="0" smtClean="0"/>
+              <a:t>Schedule scheduling</a:t>
+            </a:r>
+          </a:p>
+          <a:p>
+            <a:r>
+              <a:rPr lang="en-US" dirty="0" smtClean="0"/>
+              <a:t>Location </a:t>
+            </a:r>
+            <a:r>
+              <a:rPr lang="en-US" dirty="0" err="1" smtClean="0"/>
+              <a:t>location</a:t>
+            </a:r>
+            <a:endParaRPr lang="en-US" dirty="0" smtClean="0"/>
+          </a:p>
+          <a:p>
+            <a:r>
+              <a:rPr lang="en-US" dirty="0" smtClean="0"/>
+              <a:t>String Category</a:t>
+            </a:r>
+            <a:endParaRPr lang="en-US" dirty="0"/>
+          </a:p>
+        </p:txBody>
+      </p:sp>
+      <p:sp>
+        <p:nvSpPr>
+          <p:cNvPr id="5" name="TextBox 4"/>
+          <p:cNvSpPr txBox="1"/>
+          <p:nvPr/>
+        </p:nvSpPr>
+        <p:spPr>
+          <a:xfrm>
+            <a:off x="5292080" y="908720"/>
+            <a:ext cx="2232248" cy="1754326"/>
+          </a:xfrm>
+          <a:prstGeom prst="rect">
+            <a:avLst/>
+          </a:prstGeom>
+        </p:spPr>
+        <p:style>
+          <a:lnRef idx="2">
+            <a:schemeClr val="dk1"/>
+          </a:lnRef>
+          <a:fillRef idx="1">
+            <a:schemeClr val="lt1"/>
+          </a:fillRef>
+          <a:effectRef idx="0">
+            <a:schemeClr val="dk1"/>
+          </a:effectRef>
+          <a:fontRef idx="minor">
+            <a:schemeClr val="dk1"/>
+          </a:fontRef>
+        </p:style>
+        <p:txBody>
+          <a:bodyPr wrap="square" rtlCol="0">
+            <a:spAutoFit/>
+          </a:bodyPr>
+          <a:lstStyle/>
+          <a:p>
+            <a:r>
+              <a:rPr lang="en-US" u="sng" dirty="0" smtClean="0"/>
+              <a:t>Class: </a:t>
+            </a:r>
+            <a:r>
+              <a:rPr lang="en-US" b="1" u="sng" dirty="0" smtClean="0"/>
+              <a:t>Slide</a:t>
+            </a:r>
+          </a:p>
+          <a:p>
+            <a:r>
+              <a:rPr lang="en-US" dirty="0" smtClean="0"/>
+              <a:t>long </a:t>
+            </a:r>
+            <a:r>
+              <a:rPr lang="en-US" dirty="0" err="1" smtClean="0"/>
+              <a:t>slideId</a:t>
+            </a:r>
+            <a:endParaRPr lang="en-US" dirty="0" smtClean="0"/>
+          </a:p>
+          <a:p>
+            <a:r>
+              <a:rPr lang="en-US" dirty="0" err="1" smtClean="0"/>
+              <a:t>int</a:t>
+            </a:r>
+            <a:r>
+              <a:rPr lang="en-US" dirty="0" smtClean="0"/>
+              <a:t> duration</a:t>
+            </a:r>
+          </a:p>
+          <a:p>
+            <a:r>
+              <a:rPr lang="en-US" dirty="0" err="1" smtClean="0"/>
+              <a:t>int</a:t>
+            </a:r>
+            <a:r>
+              <a:rPr lang="en-US" dirty="0" smtClean="0"/>
+              <a:t> </a:t>
+            </a:r>
+            <a:r>
+              <a:rPr lang="en-US" dirty="0" err="1" smtClean="0"/>
+              <a:t>templateId</a:t>
+            </a:r>
+            <a:endParaRPr lang="en-US" dirty="0" smtClean="0"/>
+          </a:p>
+          <a:p>
+            <a:r>
+              <a:rPr lang="en-US" dirty="0" smtClean="0"/>
+              <a:t>List&lt;</a:t>
+            </a:r>
+            <a:r>
+              <a:rPr lang="en-US" dirty="0" err="1" smtClean="0"/>
+              <a:t>SlideContent</a:t>
+            </a:r>
+            <a:r>
+              <a:rPr lang="en-US" dirty="0" smtClean="0"/>
+              <a:t>&gt; </a:t>
+            </a:r>
+            <a:r>
+              <a:rPr lang="en-US" dirty="0" err="1" smtClean="0"/>
+              <a:t>slideContentList</a:t>
+            </a:r>
+            <a:endParaRPr lang="en-US" dirty="0"/>
+          </a:p>
+        </p:txBody>
+      </p:sp>
+      <p:sp>
+        <p:nvSpPr>
+          <p:cNvPr id="6" name="TextBox 5"/>
+          <p:cNvSpPr txBox="1"/>
+          <p:nvPr/>
+        </p:nvSpPr>
+        <p:spPr>
+          <a:xfrm>
+            <a:off x="4644008" y="3124711"/>
+            <a:ext cx="2232248" cy="923330"/>
+          </a:xfrm>
+          <a:prstGeom prst="rect">
+            <a:avLst/>
+          </a:prstGeom>
+        </p:spPr>
+        <p:style>
+          <a:lnRef idx="2">
+            <a:schemeClr val="dk1"/>
+          </a:lnRef>
+          <a:fillRef idx="1">
+            <a:schemeClr val="lt1"/>
+          </a:fillRef>
+          <a:effectRef idx="0">
+            <a:schemeClr val="dk1"/>
+          </a:effectRef>
+          <a:fontRef idx="minor">
+            <a:schemeClr val="dk1"/>
+          </a:fontRef>
+        </p:style>
+        <p:txBody>
+          <a:bodyPr wrap="square" rtlCol="0">
+            <a:spAutoFit/>
+          </a:bodyPr>
+          <a:lstStyle/>
+          <a:p>
+            <a:r>
+              <a:rPr lang="en-US" u="sng" dirty="0" smtClean="0"/>
+              <a:t>Class: </a:t>
+            </a:r>
+            <a:r>
+              <a:rPr lang="en-US" b="1" u="sng" dirty="0" err="1" smtClean="0"/>
+              <a:t>SlideContent</a:t>
+            </a:r>
+            <a:endParaRPr lang="en-US" b="1" u="sng" dirty="0" smtClean="0"/>
+          </a:p>
+          <a:p>
+            <a:r>
+              <a:rPr lang="en-US" dirty="0" smtClean="0"/>
+              <a:t>long </a:t>
+            </a:r>
+            <a:r>
+              <a:rPr lang="en-US" dirty="0" err="1" smtClean="0"/>
+              <a:t>slideContentId</a:t>
+            </a:r>
+            <a:endParaRPr lang="en-US" dirty="0" smtClean="0"/>
+          </a:p>
+          <a:p>
+            <a:r>
+              <a:rPr lang="en-US" dirty="0" smtClean="0"/>
+              <a:t>String </a:t>
+            </a:r>
+            <a:r>
+              <a:rPr lang="en-US" dirty="0" err="1" smtClean="0"/>
+              <a:t>filePath</a:t>
+            </a:r>
+            <a:endParaRPr lang="en-US" dirty="0"/>
+          </a:p>
+        </p:txBody>
+      </p:sp>
+      <p:sp>
+        <p:nvSpPr>
+          <p:cNvPr id="7" name="TextBox 6"/>
+          <p:cNvSpPr txBox="1"/>
+          <p:nvPr/>
+        </p:nvSpPr>
+        <p:spPr>
+          <a:xfrm>
+            <a:off x="2771800" y="4869160"/>
+            <a:ext cx="2808312" cy="1200329"/>
+          </a:xfrm>
+          <a:prstGeom prst="rect">
+            <a:avLst/>
+          </a:prstGeom>
+        </p:spPr>
+        <p:style>
+          <a:lnRef idx="2">
+            <a:schemeClr val="dk1"/>
+          </a:lnRef>
+          <a:fillRef idx="1">
+            <a:schemeClr val="lt1"/>
+          </a:fillRef>
+          <a:effectRef idx="0">
+            <a:schemeClr val="dk1"/>
+          </a:effectRef>
+          <a:fontRef idx="minor">
+            <a:schemeClr val="dk1"/>
+          </a:fontRef>
+        </p:style>
+        <p:txBody>
+          <a:bodyPr wrap="square" rtlCol="0">
+            <a:spAutoFit/>
+          </a:bodyPr>
+          <a:lstStyle/>
+          <a:p>
+            <a:r>
+              <a:rPr lang="en-US" u="sng" dirty="0" smtClean="0"/>
+              <a:t>Class: </a:t>
+            </a:r>
+            <a:r>
+              <a:rPr lang="en-US" b="1" u="sng" dirty="0" err="1" smtClean="0"/>
+              <a:t>QRSlideContent</a:t>
+            </a:r>
+            <a:endParaRPr lang="en-US" b="1" u="sng" dirty="0" smtClean="0"/>
+          </a:p>
+          <a:p>
+            <a:r>
+              <a:rPr lang="en-US" dirty="0" smtClean="0"/>
+              <a:t>String </a:t>
+            </a:r>
+            <a:r>
+              <a:rPr lang="en-US" dirty="0" err="1" smtClean="0"/>
+              <a:t>urlPath</a:t>
+            </a:r>
+            <a:endParaRPr lang="en-US" dirty="0" smtClean="0"/>
+          </a:p>
+          <a:p>
+            <a:r>
+              <a:rPr lang="en-US" dirty="0" err="1"/>
+              <a:t>i</a:t>
+            </a:r>
+            <a:r>
+              <a:rPr lang="en-US" dirty="0" err="1" smtClean="0"/>
+              <a:t>nt</a:t>
+            </a:r>
+            <a:r>
+              <a:rPr lang="en-US" dirty="0" smtClean="0"/>
+              <a:t> </a:t>
+            </a:r>
+            <a:r>
+              <a:rPr lang="en-US" dirty="0" err="1" smtClean="0"/>
+              <a:t>qrHeight</a:t>
+            </a:r>
+            <a:endParaRPr lang="en-US" dirty="0" smtClean="0"/>
+          </a:p>
+          <a:p>
+            <a:r>
+              <a:rPr lang="en-US" dirty="0" err="1"/>
+              <a:t>i</a:t>
+            </a:r>
+            <a:r>
+              <a:rPr lang="en-US" dirty="0" err="1" smtClean="0"/>
+              <a:t>nt</a:t>
+            </a:r>
+            <a:r>
+              <a:rPr lang="en-US" dirty="0" smtClean="0"/>
+              <a:t> </a:t>
+            </a:r>
+            <a:r>
+              <a:rPr lang="en-US" dirty="0" err="1" smtClean="0"/>
+              <a:t>qrWidth</a:t>
+            </a:r>
+            <a:endParaRPr lang="en-US" dirty="0"/>
+          </a:p>
+        </p:txBody>
+      </p:sp>
+      <p:sp>
+        <p:nvSpPr>
+          <p:cNvPr id="8" name="TextBox 7"/>
+          <p:cNvSpPr txBox="1"/>
+          <p:nvPr/>
+        </p:nvSpPr>
+        <p:spPr>
+          <a:xfrm>
+            <a:off x="5868144" y="4869160"/>
+            <a:ext cx="2808312" cy="1200329"/>
+          </a:xfrm>
+          <a:prstGeom prst="rect">
+            <a:avLst/>
+          </a:prstGeom>
+        </p:spPr>
+        <p:style>
+          <a:lnRef idx="2">
+            <a:schemeClr val="dk1"/>
+          </a:lnRef>
+          <a:fillRef idx="1">
+            <a:schemeClr val="lt1"/>
+          </a:fillRef>
+          <a:effectRef idx="0">
+            <a:schemeClr val="dk1"/>
+          </a:effectRef>
+          <a:fontRef idx="minor">
+            <a:schemeClr val="dk1"/>
+          </a:fontRef>
+        </p:style>
+        <p:txBody>
+          <a:bodyPr wrap="square" rtlCol="0">
+            <a:spAutoFit/>
+          </a:bodyPr>
+          <a:lstStyle/>
+          <a:p>
+            <a:r>
+              <a:rPr lang="en-US" u="sng" dirty="0" smtClean="0"/>
+              <a:t>Class: </a:t>
+            </a:r>
+            <a:r>
+              <a:rPr lang="en-US" b="1" u="sng" dirty="0" err="1" smtClean="0"/>
+              <a:t>VideoSlideContent</a:t>
+            </a:r>
+            <a:endParaRPr lang="en-US" b="1" u="sng" dirty="0" smtClean="0"/>
+          </a:p>
+          <a:p>
+            <a:r>
+              <a:rPr lang="en-US" dirty="0" err="1" smtClean="0"/>
+              <a:t>int</a:t>
+            </a:r>
+            <a:r>
+              <a:rPr lang="en-US" dirty="0" smtClean="0"/>
+              <a:t> </a:t>
+            </a:r>
+            <a:r>
+              <a:rPr lang="en-US" dirty="0" err="1" smtClean="0"/>
+              <a:t>cropVideoLength</a:t>
+            </a:r>
+            <a:endParaRPr lang="en-US" dirty="0" smtClean="0"/>
+          </a:p>
+          <a:p>
+            <a:r>
+              <a:rPr lang="en-US" dirty="0" err="1"/>
+              <a:t>i</a:t>
+            </a:r>
+            <a:r>
+              <a:rPr lang="en-US" dirty="0" err="1" smtClean="0"/>
+              <a:t>nt</a:t>
+            </a:r>
+            <a:r>
+              <a:rPr lang="en-US" dirty="0" smtClean="0"/>
+              <a:t> </a:t>
+            </a:r>
+            <a:r>
+              <a:rPr lang="en-US" dirty="0" err="1" smtClean="0"/>
+              <a:t>videoHeight</a:t>
+            </a:r>
+            <a:endParaRPr lang="en-US" dirty="0" smtClean="0"/>
+          </a:p>
+          <a:p>
+            <a:r>
+              <a:rPr lang="en-US" dirty="0" err="1" smtClean="0"/>
+              <a:t>int</a:t>
+            </a:r>
+            <a:r>
+              <a:rPr lang="en-US" dirty="0" smtClean="0"/>
+              <a:t> </a:t>
+            </a:r>
+            <a:r>
+              <a:rPr lang="en-US" dirty="0" err="1" smtClean="0"/>
+              <a:t>videoWidth</a:t>
+            </a:r>
+            <a:endParaRPr lang="en-US" dirty="0"/>
+          </a:p>
+        </p:txBody>
+      </p:sp>
+      <p:cxnSp>
+        <p:nvCxnSpPr>
+          <p:cNvPr id="13" name="Straight Arrow Connector 12"/>
+          <p:cNvCxnSpPr/>
+          <p:nvPr/>
+        </p:nvCxnSpPr>
+        <p:spPr>
+          <a:xfrm flipV="1">
+            <a:off x="6228184" y="4048041"/>
+            <a:ext cx="0" cy="821120"/>
+          </a:xfrm>
+          <a:prstGeom prst="straightConnector1">
+            <a:avLst/>
+          </a:prstGeom>
+          <a:ln>
+            <a:tailEnd type="arrow"/>
+          </a:ln>
+        </p:spPr>
+        <p:style>
+          <a:lnRef idx="2">
+            <a:schemeClr val="dk1"/>
+          </a:lnRef>
+          <a:fillRef idx="0">
+            <a:schemeClr val="dk1"/>
+          </a:fillRef>
+          <a:effectRef idx="1">
+            <a:schemeClr val="dk1"/>
+          </a:effectRef>
+          <a:fontRef idx="minor">
+            <a:schemeClr val="tx1"/>
+          </a:fontRef>
+        </p:style>
+      </p:cxnSp>
+      <p:cxnSp>
+        <p:nvCxnSpPr>
+          <p:cNvPr id="15" name="Straight Arrow Connector 14"/>
+          <p:cNvCxnSpPr/>
+          <p:nvPr/>
+        </p:nvCxnSpPr>
+        <p:spPr>
+          <a:xfrm flipV="1">
+            <a:off x="5292080" y="4048041"/>
+            <a:ext cx="0" cy="821120"/>
+          </a:xfrm>
+          <a:prstGeom prst="straightConnector1">
+            <a:avLst/>
+          </a:prstGeom>
+          <a:ln>
+            <a:tailEnd type="arrow"/>
+          </a:ln>
+        </p:spPr>
+        <p:style>
+          <a:lnRef idx="2">
+            <a:schemeClr val="dk1"/>
+          </a:lnRef>
+          <a:fillRef idx="0">
+            <a:schemeClr val="dk1"/>
+          </a:fillRef>
+          <a:effectRef idx="1">
+            <a:schemeClr val="dk1"/>
+          </a:effectRef>
+          <a:fontRef idx="minor">
+            <a:schemeClr val="tx1"/>
+          </a:fontRef>
+        </p:style>
+      </p:cxnSp>
+    </p:spTree>
+    <p:extLst>
+      <p:ext uri="{BB962C8B-B14F-4D97-AF65-F5344CB8AC3E}">
+        <p14:creationId xmlns:p14="http://schemas.microsoft.com/office/powerpoint/2010/main" val="1128235816"/>
       </p:ext>
     </p:extLst>
   </p:cSld>
